--- a/DRA-EorzeArm.pptx
+++ b/DRA-EorzeArm.pptx
@@ -5,7 +5,7 @@
     <p:sldMasterId id="2147483698" r:id="rId1"/>
   </p:sldMasterIdLst>
   <p:notesMasterIdLst>
-    <p:notesMasterId r:id="rId13"/>
+    <p:notesMasterId r:id="rId14"/>
   </p:notesMasterIdLst>
   <p:sldIdLst>
     <p:sldId id="256" r:id="rId2"/>
@@ -15,17 +15,18 @@
     <p:sldId id="257" r:id="rId6"/>
     <p:sldId id="262" r:id="rId7"/>
     <p:sldId id="263" r:id="rId8"/>
-    <p:sldId id="265" r:id="rId9"/>
-    <p:sldId id="266" r:id="rId10"/>
-    <p:sldId id="267" r:id="rId11"/>
-    <p:sldId id="268" r:id="rId12"/>
+    <p:sldId id="270" r:id="rId9"/>
+    <p:sldId id="265" r:id="rId10"/>
+    <p:sldId id="266" r:id="rId11"/>
+    <p:sldId id="267" r:id="rId12"/>
+    <p:sldId id="268" r:id="rId13"/>
   </p:sldIdLst>
   <p:sldSz cx="12192000" cy="6858000"/>
   <p:notesSz cx="6858000" cy="9144000"/>
   <p:embeddedFontLst>
     <p:embeddedFont>
       <p:font typeface="Catamaran" panose="020B0604020202020204" charset="0"/>
-      <p:regular r:id="rId14"/>
+      <p:regular r:id="rId15"/>
     </p:embeddedFont>
   </p:embeddedFontLst>
   <p:defaultTextStyle>
@@ -216,7 +217,7 @@
           <a:p>
             <a:fld id="{02AFFBCC-881B-424C-AC69-CCBA69FE1AFC}" type="datetimeFigureOut">
               <a:rPr lang="es-ES" smtClean="0"/>
-              <a:t>13/05/2024</a:t>
+              <a:t>09/06/2024</a:t>
             </a:fld>
             <a:endParaRPr lang="es-ES"/>
           </a:p>
@@ -517,7 +518,7 @@
           <a:p>
             <a:fld id="{672B9FBB-67EB-4F1A-BE27-8517A5762D10}" type="datetimeFigureOut">
               <a:rPr lang="es-ES" smtClean="0"/>
-              <a:t>13/05/2024</a:t>
+              <a:t>09/06/2024</a:t>
             </a:fld>
             <a:endParaRPr lang="es-ES"/>
           </a:p>
@@ -1057,7 +1058,7 @@
           <a:p>
             <a:fld id="{672B9FBB-67EB-4F1A-BE27-8517A5762D10}" type="datetimeFigureOut">
               <a:rPr lang="es-ES" smtClean="0"/>
-              <a:t>13/05/2024</a:t>
+              <a:t>09/06/2024</a:t>
             </a:fld>
             <a:endParaRPr lang="es-ES"/>
           </a:p>
@@ -1305,7 +1306,7 @@
           <a:p>
             <a:fld id="{672B9FBB-67EB-4F1A-BE27-8517A5762D10}" type="datetimeFigureOut">
               <a:rPr lang="es-ES" smtClean="0"/>
-              <a:t>13/05/2024</a:t>
+              <a:t>09/06/2024</a:t>
             </a:fld>
             <a:endParaRPr lang="es-ES"/>
           </a:p>
@@ -1580,7 +1581,7 @@
           <a:p>
             <a:fld id="{672B9FBB-67EB-4F1A-BE27-8517A5762D10}" type="datetimeFigureOut">
               <a:rPr lang="es-ES" smtClean="0"/>
-              <a:t>13/05/2024</a:t>
+              <a:t>09/06/2024</a:t>
             </a:fld>
             <a:endParaRPr lang="es-ES"/>
           </a:p>
@@ -1824,7 +1825,7 @@
           <a:p>
             <a:fld id="{672B9FBB-67EB-4F1A-BE27-8517A5762D10}" type="datetimeFigureOut">
               <a:rPr lang="es-ES" smtClean="0"/>
-              <a:t>13/05/2024</a:t>
+              <a:t>09/06/2024</a:t>
             </a:fld>
             <a:endParaRPr lang="es-ES"/>
           </a:p>
@@ -2070,7 +2071,7 @@
           <a:p>
             <a:fld id="{672B9FBB-67EB-4F1A-BE27-8517A5762D10}" type="datetimeFigureOut">
               <a:rPr lang="es-ES" smtClean="0"/>
-              <a:t>13/05/2024</a:t>
+              <a:t>09/06/2024</a:t>
             </a:fld>
             <a:endParaRPr lang="es-ES"/>
           </a:p>
@@ -2354,7 +2355,7 @@
           <a:p>
             <a:fld id="{672B9FBB-67EB-4F1A-BE27-8517A5762D10}" type="datetimeFigureOut">
               <a:rPr lang="es-ES" smtClean="0"/>
-              <a:t>13/05/2024</a:t>
+              <a:t>09/06/2024</a:t>
             </a:fld>
             <a:endParaRPr lang="es-ES"/>
           </a:p>
@@ -2773,7 +2774,7 @@
           <a:p>
             <a:fld id="{672B9FBB-67EB-4F1A-BE27-8517A5762D10}" type="datetimeFigureOut">
               <a:rPr lang="es-ES" smtClean="0"/>
-              <a:t>13/05/2024</a:t>
+              <a:t>09/06/2024</a:t>
             </a:fld>
             <a:endParaRPr lang="es-ES"/>
           </a:p>
@@ -2920,7 +2921,7 @@
           <a:p>
             <a:fld id="{672B9FBB-67EB-4F1A-BE27-8517A5762D10}" type="datetimeFigureOut">
               <a:rPr lang="es-ES" smtClean="0"/>
-              <a:t>13/05/2024</a:t>
+              <a:t>09/06/2024</a:t>
             </a:fld>
             <a:endParaRPr lang="es-ES"/>
           </a:p>
@@ -3197,7 +3198,7 @@
           <a:p>
             <a:fld id="{672B9FBB-67EB-4F1A-BE27-8517A5762D10}" type="datetimeFigureOut">
               <a:rPr lang="es-ES" smtClean="0"/>
-              <a:t>13/05/2024</a:t>
+              <a:t>09/06/2024</a:t>
             </a:fld>
             <a:endParaRPr lang="es-ES"/>
           </a:p>
@@ -3463,7 +3464,7 @@
           <a:p>
             <a:fld id="{672B9FBB-67EB-4F1A-BE27-8517A5762D10}" type="datetimeFigureOut">
               <a:rPr lang="es-ES" smtClean="0"/>
-              <a:t>13/05/2024</a:t>
+              <a:t>09/06/2024</a:t>
             </a:fld>
             <a:endParaRPr lang="es-ES"/>
           </a:p>
@@ -4049,10 +4050,10 @@
       </p:grpSpPr>
       <p:sp>
         <p:nvSpPr>
-          <p:cNvPr id="2" name="Subtítulo 1">
+          <p:cNvPr id="2" name="Título 1">
             <a:extLst>
               <a:ext uri="{FF2B5EF4-FFF2-40B4-BE49-F238E27FC236}">
-                <a16:creationId xmlns:a16="http://schemas.microsoft.com/office/drawing/2014/main" id="{56F4B131-4987-07E8-7DDB-E8F2FA0E0AB2}"/>
+                <a16:creationId xmlns:a16="http://schemas.microsoft.com/office/drawing/2014/main" id="{F3CD406C-F333-041A-5590-701E0FA4A810}"/>
               </a:ext>
             </a:extLst>
           </p:cNvPr>
@@ -4060,7 +4061,7 @@
             <a:spLocks noGrp="1"/>
           </p:cNvSpPr>
           <p:nvPr>
-            <p:ph type="subTitle" idx="1"/>
+            <p:ph type="title"/>
           </p:nvPr>
         </p:nvSpPr>
         <p:spPr/>
@@ -4070,45 +4071,44 @@
           <a:p>
             <a:r>
               <a:rPr lang="es-ES" dirty="0"/>
-              <a:t>Futuro.</a:t>
-            </a:r>
-          </a:p>
-        </p:txBody>
-      </p:sp>
-      <p:sp>
-        <p:nvSpPr>
-          <p:cNvPr id="3" name="Título 2">
+              <a:t>Demo.</a:t>
+            </a:r>
+          </a:p>
+        </p:txBody>
+      </p:sp>
+      <p:pic>
+        <p:nvPicPr>
+          <p:cNvPr id="6" name="Marcador de contenido 5">
             <a:extLst>
               <a:ext uri="{FF2B5EF4-FFF2-40B4-BE49-F238E27FC236}">
-                <a16:creationId xmlns:a16="http://schemas.microsoft.com/office/drawing/2014/main" id="{B7AB0D90-032B-8ADA-0E8C-5564E6F54843}"/>
+                <a16:creationId xmlns:a16="http://schemas.microsoft.com/office/drawing/2014/main" id="{D736CEA3-EFFB-4740-3135-EC3E7C320E54}"/>
               </a:ext>
             </a:extLst>
           </p:cNvPr>
-          <p:cNvSpPr>
-            <a:spLocks noGrp="1"/>
-          </p:cNvSpPr>
-          <p:nvPr>
-            <p:ph type="title"/>
-          </p:nvPr>
-        </p:nvSpPr>
-        <p:spPr/>
-        <p:txBody>
-          <a:bodyPr>
-            <a:normAutofit/>
-          </a:bodyPr>
-          <a:lstStyle/>
-          <a:p>
-            <a:r>
-              <a:rPr lang="es-ES" dirty="0"/>
-              <a:t>5</a:t>
-            </a:r>
-          </a:p>
-        </p:txBody>
-      </p:sp>
+          <p:cNvPicPr>
+            <a:picLocks noGrp="1" noChangeAspect="1"/>
+          </p:cNvPicPr>
+          <p:nvPr>
+            <p:ph idx="1"/>
+          </p:nvPr>
+        </p:nvPicPr>
+        <p:blipFill>
+          <a:blip r:embed="rId2"/>
+          <a:stretch>
+            <a:fillRect/>
+          </a:stretch>
+        </p:blipFill>
+        <p:spPr>
+          <a:xfrm>
+            <a:off x="1811295" y="1717470"/>
+            <a:ext cx="8712282" cy="4351338"/>
+          </a:xfrm>
+        </p:spPr>
+      </p:pic>
     </p:spTree>
     <p:extLst>
       <p:ext uri="{BB962C8B-B14F-4D97-AF65-F5344CB8AC3E}">
-        <p14:creationId xmlns:p14="http://schemas.microsoft.com/office/powerpoint/2010/main" val="2630523323"/>
+        <p14:creationId xmlns:p14="http://schemas.microsoft.com/office/powerpoint/2010/main" val="4190423986"/>
       </p:ext>
     </p:extLst>
   </p:cSld>
@@ -4137,6 +4137,94 @@
       </p:grpSpPr>
       <p:sp>
         <p:nvSpPr>
+          <p:cNvPr id="2" name="Subtítulo 1">
+            <a:extLst>
+              <a:ext uri="{FF2B5EF4-FFF2-40B4-BE49-F238E27FC236}">
+                <a16:creationId xmlns:a16="http://schemas.microsoft.com/office/drawing/2014/main" id="{56F4B131-4987-07E8-7DDB-E8F2FA0E0AB2}"/>
+              </a:ext>
+            </a:extLst>
+          </p:cNvPr>
+          <p:cNvSpPr>
+            <a:spLocks noGrp="1"/>
+          </p:cNvSpPr>
+          <p:nvPr>
+            <p:ph type="subTitle" idx="1"/>
+          </p:nvPr>
+        </p:nvSpPr>
+        <p:spPr/>
+        <p:txBody>
+          <a:bodyPr/>
+          <a:lstStyle/>
+          <a:p>
+            <a:r>
+              <a:rPr lang="es-ES" dirty="0"/>
+              <a:t>Futuro.</a:t>
+            </a:r>
+          </a:p>
+        </p:txBody>
+      </p:sp>
+      <p:sp>
+        <p:nvSpPr>
+          <p:cNvPr id="3" name="Título 2">
+            <a:extLst>
+              <a:ext uri="{FF2B5EF4-FFF2-40B4-BE49-F238E27FC236}">
+                <a16:creationId xmlns:a16="http://schemas.microsoft.com/office/drawing/2014/main" id="{B7AB0D90-032B-8ADA-0E8C-5564E6F54843}"/>
+              </a:ext>
+            </a:extLst>
+          </p:cNvPr>
+          <p:cNvSpPr>
+            <a:spLocks noGrp="1"/>
+          </p:cNvSpPr>
+          <p:nvPr>
+            <p:ph type="title"/>
+          </p:nvPr>
+        </p:nvSpPr>
+        <p:spPr/>
+        <p:txBody>
+          <a:bodyPr>
+            <a:normAutofit/>
+          </a:bodyPr>
+          <a:lstStyle/>
+          <a:p>
+            <a:r>
+              <a:rPr lang="es-ES" dirty="0"/>
+              <a:t>5</a:t>
+            </a:r>
+          </a:p>
+        </p:txBody>
+      </p:sp>
+    </p:spTree>
+    <p:extLst>
+      <p:ext uri="{BB962C8B-B14F-4D97-AF65-F5344CB8AC3E}">
+        <p14:creationId xmlns:p14="http://schemas.microsoft.com/office/powerpoint/2010/main" val="2630523323"/>
+      </p:ext>
+    </p:extLst>
+  </p:cSld>
+  <p:clrMapOvr>
+    <a:masterClrMapping/>
+  </p:clrMapOvr>
+</p:sld>
+</file>
+
+<file path=ppt/slides/slide12.xml><?xml version="1.0" encoding="utf-8"?>
+<p:sld xmlns:a="http://schemas.openxmlformats.org/drawingml/2006/main" xmlns:r="http://schemas.openxmlformats.org/officeDocument/2006/relationships" xmlns:p="http://schemas.openxmlformats.org/presentationml/2006/main">
+  <p:cSld>
+    <p:spTree>
+      <p:nvGrpSpPr>
+        <p:cNvPr id="1" name=""/>
+        <p:cNvGrpSpPr/>
+        <p:nvPr/>
+      </p:nvGrpSpPr>
+      <p:grpSpPr>
+        <a:xfrm>
+          <a:off x="0" y="0"/>
+          <a:ext cx="0" cy="0"/>
+          <a:chOff x="0" y="0"/>
+          <a:chExt cx="0" cy="0"/>
+        </a:xfrm>
+      </p:grpSpPr>
+      <p:sp>
+        <p:nvSpPr>
           <p:cNvPr id="2" name="Título 1">
             <a:extLst>
               <a:ext uri="{FF2B5EF4-FFF2-40B4-BE49-F238E27FC236}">
@@ -4179,7 +4267,12 @@
             <p:ph idx="1"/>
           </p:nvPr>
         </p:nvSpPr>
-        <p:spPr/>
+        <p:spPr>
+          <a:xfrm>
+            <a:off x="976642" y="1825625"/>
+            <a:ext cx="4519089" cy="4351338"/>
+          </a:xfrm>
+        </p:spPr>
         <p:txBody>
           <a:bodyPr/>
           <a:lstStyle/>
@@ -4192,17 +4285,94 @@
           <a:p>
             <a:r>
               <a:rPr lang="es-ES" dirty="0"/>
-              <a:t>Estudio de viabilidad de nuevos servicios.</a:t>
+              <a:t>Agregación  de Swagger.</a:t>
             </a:r>
           </a:p>
           <a:p>
             <a:r>
               <a:rPr lang="es-ES" dirty="0"/>
-              <a:t>Estudio de conexión con tu personaje oficial de los servidores oficiales de FFXIV.</a:t>
-            </a:r>
-          </a:p>
-        </p:txBody>
-      </p:sp>
+              <a:t>Estudio de conexión con personaje oficial de los servidores oficiales de FFXIV.</a:t>
+            </a:r>
+          </a:p>
+        </p:txBody>
+      </p:sp>
+      <p:pic>
+        <p:nvPicPr>
+          <p:cNvPr id="5" name="Imagen 4">
+            <a:extLst>
+              <a:ext uri="{FF2B5EF4-FFF2-40B4-BE49-F238E27FC236}">
+                <a16:creationId xmlns:a16="http://schemas.microsoft.com/office/drawing/2014/main" id="{28F6D5A7-338E-D38D-7683-8A2569EACA90}"/>
+              </a:ext>
+            </a:extLst>
+          </p:cNvPr>
+          <p:cNvPicPr>
+            <a:picLocks noChangeAspect="1"/>
+          </p:cNvPicPr>
+          <p:nvPr/>
+        </p:nvPicPr>
+        <p:blipFill>
+          <a:blip r:embed="rId2"/>
+          <a:stretch>
+            <a:fillRect/>
+          </a:stretch>
+        </p:blipFill>
+        <p:spPr>
+          <a:xfrm>
+            <a:off x="7651102" y="2883062"/>
+            <a:ext cx="2930007" cy="2930007"/>
+          </a:xfrm>
+          <a:prstGeom prst="rect">
+            <a:avLst/>
+          </a:prstGeom>
+        </p:spPr>
+      </p:pic>
+      <p:pic>
+        <p:nvPicPr>
+          <p:cNvPr id="1026" name="Picture 2" descr="Microsoft adquiere GitHub: de odiar el código abierto, a comprometerse con  su desarrollo » Enrique Dans">
+            <a:extLst>
+              <a:ext uri="{FF2B5EF4-FFF2-40B4-BE49-F238E27FC236}">
+                <a16:creationId xmlns:a16="http://schemas.microsoft.com/office/drawing/2014/main" id="{B33D978E-524D-D1B9-4CE4-E89991D3FAAB}"/>
+              </a:ext>
+            </a:extLst>
+          </p:cNvPr>
+          <p:cNvPicPr>
+            <a:picLocks noChangeAspect="1" noChangeArrowheads="1"/>
+          </p:cNvPicPr>
+          <p:nvPr/>
+        </p:nvPicPr>
+        <p:blipFill>
+          <a:blip r:embed="rId3">
+            <a:extLst>
+              <a:ext uri="{28A0092B-C50C-407E-A947-70E740481C1C}">
+                <a14:useLocalDpi xmlns:a14="http://schemas.microsoft.com/office/drawing/2010/main" val="0"/>
+              </a:ext>
+            </a:extLst>
+          </a:blip>
+          <a:srcRect/>
+          <a:stretch>
+            <a:fillRect/>
+          </a:stretch>
+        </p:blipFill>
+        <p:spPr bwMode="auto">
+          <a:xfrm>
+            <a:off x="8334724" y="1959428"/>
+            <a:ext cx="1562762" cy="1150679"/>
+          </a:xfrm>
+          <a:prstGeom prst="rect">
+            <a:avLst/>
+          </a:prstGeom>
+          <a:noFill/>
+          <a:extLst>
+            <a:ext uri="{909E8E84-426E-40DD-AFC4-6F175D3DCCD1}">
+              <a14:hiddenFill xmlns:a14="http://schemas.microsoft.com/office/drawing/2010/main">
+                <a:solidFill>
+                  <a:srgbClr val="FFFFFF"/>
+                </a:solidFill>
+              </a14:hiddenFill>
+            </a:ext>
+          </a:extLst>
+        </p:spPr>
+      </p:pic>
     </p:spTree>
     <p:extLst>
       <p:ext uri="{BB962C8B-B14F-4D97-AF65-F5344CB8AC3E}">
@@ -4393,11 +4563,11 @@
             </a:r>
             <a:r>
               <a:rPr lang="es-ES" dirty="0"/>
-              <a:t>, afianzar conocimientos en Docker y realización de </a:t>
+              <a:t>, afianzar conocimientos en Docker y realización de Web </a:t>
             </a:r>
             <a:r>
               <a:rPr lang="es-ES" dirty="0" err="1"/>
-              <a:t>Scrapping</a:t>
+              <a:t>scrapping</a:t>
             </a:r>
             <a:r>
               <a:rPr lang="es-ES" dirty="0"/>
@@ -4409,6 +4579,147 @@
           </a:p>
         </p:txBody>
       </p:sp>
+      <p:pic>
+        <p:nvPicPr>
+          <p:cNvPr id="2050" name="Picture 2" descr="Angular (framework) - Wikipedia, la enciclopedia libre">
+            <a:extLst>
+              <a:ext uri="{FF2B5EF4-FFF2-40B4-BE49-F238E27FC236}">
+                <a16:creationId xmlns:a16="http://schemas.microsoft.com/office/drawing/2014/main" id="{9A9CCBDF-5777-A29A-5153-274115F77918}"/>
+              </a:ext>
+            </a:extLst>
+          </p:cNvPr>
+          <p:cNvPicPr>
+            <a:picLocks noChangeAspect="1" noChangeArrowheads="1"/>
+          </p:cNvPicPr>
+          <p:nvPr/>
+        </p:nvPicPr>
+        <p:blipFill>
+          <a:blip r:embed="rId2">
+            <a:extLst>
+              <a:ext uri="{28A0092B-C50C-407E-A947-70E740481C1C}">
+                <a14:useLocalDpi xmlns:a14="http://schemas.microsoft.com/office/drawing/2010/main" val="0"/>
+              </a:ext>
+            </a:extLst>
+          </a:blip>
+          <a:srcRect/>
+          <a:stretch>
+            <a:fillRect/>
+          </a:stretch>
+        </p:blipFill>
+        <p:spPr bwMode="auto">
+          <a:xfrm>
+            <a:off x="1371485" y="3688293"/>
+            <a:ext cx="1592153" cy="1592153"/>
+          </a:xfrm>
+          <a:prstGeom prst="rect">
+            <a:avLst/>
+          </a:prstGeom>
+          <a:noFill/>
+          <a:extLst>
+            <a:ext uri="{909E8E84-426E-40DD-AFC4-6F175D3DCCD1}">
+              <a14:hiddenFill xmlns:a14="http://schemas.microsoft.com/office/drawing/2010/main">
+                <a:solidFill>
+                  <a:srgbClr val="FFFFFF"/>
+                </a:solidFill>
+              </a14:hiddenFill>
+            </a:ext>
+          </a:extLst>
+        </p:spPr>
+      </p:pic>
+      <p:pic>
+        <p:nvPicPr>
+          <p:cNvPr id="2052" name="Picture 4" descr="Qué es Spring Boot y qué ofrece? | Rootstack">
+            <a:extLst>
+              <a:ext uri="{FF2B5EF4-FFF2-40B4-BE49-F238E27FC236}">
+                <a16:creationId xmlns:a16="http://schemas.microsoft.com/office/drawing/2014/main" id="{BF8265DE-08A2-0D8F-1137-7629A48101FC}"/>
+              </a:ext>
+            </a:extLst>
+          </p:cNvPr>
+          <p:cNvPicPr>
+            <a:picLocks noChangeAspect="1" noChangeArrowheads="1"/>
+          </p:cNvPicPr>
+          <p:nvPr/>
+        </p:nvPicPr>
+        <p:blipFill>
+          <a:blip r:embed="rId3">
+            <a:extLst>
+              <a:ext uri="{28A0092B-C50C-407E-A947-70E740481C1C}">
+                <a14:useLocalDpi xmlns:a14="http://schemas.microsoft.com/office/drawing/2010/main" val="0"/>
+              </a:ext>
+            </a:extLst>
+          </a:blip>
+          <a:srcRect/>
+          <a:stretch>
+            <a:fillRect/>
+          </a:stretch>
+        </p:blipFill>
+        <p:spPr bwMode="auto">
+          <a:xfrm>
+            <a:off x="4096140" y="3539864"/>
+            <a:ext cx="3598117" cy="1889012"/>
+          </a:xfrm>
+          <a:prstGeom prst="rect">
+            <a:avLst/>
+          </a:prstGeom>
+          <a:noFill/>
+          <a:extLst>
+            <a:ext uri="{909E8E84-426E-40DD-AFC4-6F175D3DCCD1}">
+              <a14:hiddenFill xmlns:a14="http://schemas.microsoft.com/office/drawing/2010/main">
+                <a:solidFill>
+                  <a:srgbClr val="FFFFFF"/>
+                </a:solidFill>
+              </a14:hiddenFill>
+            </a:ext>
+          </a:extLst>
+        </p:spPr>
+      </p:pic>
+      <p:pic>
+        <p:nvPicPr>
+          <p:cNvPr id="2054" name="Picture 6" descr="Qué es el web scraping, para qué sirve y como suele utilizarse">
+            <a:extLst>
+              <a:ext uri="{FF2B5EF4-FFF2-40B4-BE49-F238E27FC236}">
+                <a16:creationId xmlns:a16="http://schemas.microsoft.com/office/drawing/2014/main" id="{4DFC32E9-D984-C1CE-16AF-25B6FC66857A}"/>
+              </a:ext>
+            </a:extLst>
+          </p:cNvPr>
+          <p:cNvPicPr>
+            <a:picLocks noChangeAspect="1" noChangeArrowheads="1"/>
+          </p:cNvPicPr>
+          <p:nvPr/>
+        </p:nvPicPr>
+        <p:blipFill>
+          <a:blip r:embed="rId4">
+            <a:extLst>
+              <a:ext uri="{28A0092B-C50C-407E-A947-70E740481C1C}">
+                <a14:useLocalDpi xmlns:a14="http://schemas.microsoft.com/office/drawing/2010/main" val="0"/>
+              </a:ext>
+            </a:extLst>
+          </a:blip>
+          <a:srcRect/>
+          <a:stretch>
+            <a:fillRect/>
+          </a:stretch>
+        </p:blipFill>
+        <p:spPr bwMode="auto">
+          <a:xfrm>
+            <a:off x="8826759" y="3789862"/>
+            <a:ext cx="2654171" cy="1389016"/>
+          </a:xfrm>
+          <a:prstGeom prst="rect">
+            <a:avLst/>
+          </a:prstGeom>
+          <a:noFill/>
+          <a:extLst>
+            <a:ext uri="{909E8E84-426E-40DD-AFC4-6F175D3DCCD1}">
+              <a14:hiddenFill xmlns:a14="http://schemas.microsoft.com/office/drawing/2010/main">
+                <a:solidFill>
+                  <a:srgbClr val="FFFFFF"/>
+                </a:solidFill>
+              </a14:hiddenFill>
+            </a:ext>
+          </a:extLst>
+        </p:spPr>
+      </p:pic>
     </p:spTree>
     <p:extLst>
       <p:ext uri="{BB962C8B-B14F-4D97-AF65-F5344CB8AC3E}">
@@ -4580,8 +4891,8 @@
         </p:blipFill>
         <p:spPr>
           <a:xfrm>
-            <a:off x="2798017" y="1987421"/>
-            <a:ext cx="6595965" cy="3797559"/>
+            <a:off x="2295331" y="1698004"/>
+            <a:ext cx="7520014" cy="4329571"/>
           </a:xfrm>
           <a:prstGeom prst="rect">
             <a:avLst/>
@@ -4748,7 +5059,7 @@
             <p:ph idx="1"/>
             <p:extLst>
               <p:ext uri="{D42A27DB-BD31-4B8C-83A1-F6EECF244321}">
-                <p14:modId xmlns:p14="http://schemas.microsoft.com/office/powerpoint/2010/main" val="3006728018"/>
+                <p14:modId xmlns:p14="http://schemas.microsoft.com/office/powerpoint/2010/main" val="1663350501"/>
               </p:ext>
             </p:extLst>
           </p:nvPr>
@@ -4933,7 +5244,7 @@
                     <a:p>
                       <a:r>
                         <a:rPr lang="es-ES" dirty="0"/>
-                        <a:t>10 Horas</a:t>
+                        <a:t>8 Horas</a:t>
                       </a:r>
                     </a:p>
                   </a:txBody>
@@ -4967,7 +5278,7 @@
                     <a:p>
                       <a:r>
                         <a:rPr lang="es-ES" dirty="0"/>
-                        <a:t>15 Horas</a:t>
+                        <a:t>12 Horas</a:t>
                       </a:r>
                     </a:p>
                   </a:txBody>
@@ -5049,10 +5360,10 @@
       </p:grpSpPr>
       <p:sp>
         <p:nvSpPr>
-          <p:cNvPr id="2" name="Subtítulo 1">
+          <p:cNvPr id="2" name="Título 1">
             <a:extLst>
               <a:ext uri="{FF2B5EF4-FFF2-40B4-BE49-F238E27FC236}">
-                <a16:creationId xmlns:a16="http://schemas.microsoft.com/office/drawing/2014/main" id="{56F4B131-4987-07E8-7DDB-E8F2FA0E0AB2}"/>
+                <a16:creationId xmlns:a16="http://schemas.microsoft.com/office/drawing/2014/main" id="{F3CD406C-F333-041A-5590-701E0FA4A810}"/>
               </a:ext>
             </a:extLst>
           </p:cNvPr>
@@ -5060,7 +5371,7 @@
             <a:spLocks noGrp="1"/>
           </p:cNvSpPr>
           <p:nvPr>
-            <p:ph type="subTitle" idx="1"/>
+            <p:ph type="title"/>
           </p:nvPr>
         </p:nvSpPr>
         <p:spPr/>
@@ -5069,46 +5380,51 @@
           <a:lstStyle/>
           <a:p>
             <a:r>
-              <a:rPr lang="es-ES" dirty="0"/>
-              <a:t>Demo.</a:t>
-            </a:r>
-          </a:p>
-        </p:txBody>
-      </p:sp>
-      <p:sp>
-        <p:nvSpPr>
-          <p:cNvPr id="3" name="Título 2">
+              <a:rPr lang="es-ES"/>
+              <a:t>Cronología.</a:t>
+            </a:r>
+            <a:endParaRPr lang="es-ES" dirty="0"/>
+          </a:p>
+        </p:txBody>
+      </p:sp>
+      <p:pic>
+        <p:nvPicPr>
+          <p:cNvPr id="12" name="Marcador de contenido 11" descr="Diagrama&#10;&#10;Descripción generada automáticamente">
             <a:extLst>
               <a:ext uri="{FF2B5EF4-FFF2-40B4-BE49-F238E27FC236}">
-                <a16:creationId xmlns:a16="http://schemas.microsoft.com/office/drawing/2014/main" id="{B7AB0D90-032B-8ADA-0E8C-5564E6F54843}"/>
+                <a16:creationId xmlns:a16="http://schemas.microsoft.com/office/drawing/2014/main" id="{2D3CE155-D075-7BEF-8A54-2BFC9B9CECBC}"/>
               </a:ext>
             </a:extLst>
           </p:cNvPr>
-          <p:cNvSpPr>
-            <a:spLocks noGrp="1"/>
-          </p:cNvSpPr>
-          <p:nvPr>
-            <p:ph type="title"/>
-          </p:nvPr>
-        </p:nvSpPr>
-        <p:spPr/>
-        <p:txBody>
-          <a:bodyPr>
-            <a:normAutofit/>
-          </a:bodyPr>
-          <a:lstStyle/>
-          <a:p>
-            <a:r>
-              <a:rPr lang="es-ES" dirty="0"/>
-              <a:t>4</a:t>
-            </a:r>
-          </a:p>
-        </p:txBody>
-      </p:sp>
+          <p:cNvPicPr>
+            <a:picLocks noGrp="1" noChangeAspect="1"/>
+          </p:cNvPicPr>
+          <p:nvPr>
+            <p:ph idx="1"/>
+          </p:nvPr>
+        </p:nvPicPr>
+        <p:blipFill rotWithShape="1">
+          <a:blip r:embed="rId2">
+            <a:extLst>
+              <a:ext uri="{28A0092B-C50C-407E-A947-70E740481C1C}">
+                <a14:useLocalDpi xmlns:a14="http://schemas.microsoft.com/office/drawing/2010/main" val="0"/>
+              </a:ext>
+            </a:extLst>
+          </a:blip>
+          <a:srcRect l="1916" t="19801" r="2072" b="11367"/>
+          <a:stretch/>
+        </p:blipFill>
+        <p:spPr>
+          <a:xfrm>
+            <a:off x="2349759" y="1747027"/>
+            <a:ext cx="7492481" cy="4028623"/>
+          </a:xfrm>
+        </p:spPr>
+      </p:pic>
     </p:spTree>
     <p:extLst>
       <p:ext uri="{BB962C8B-B14F-4D97-AF65-F5344CB8AC3E}">
-        <p14:creationId xmlns:p14="http://schemas.microsoft.com/office/powerpoint/2010/main" val="1253088151"/>
+        <p14:creationId xmlns:p14="http://schemas.microsoft.com/office/powerpoint/2010/main" val="2795935787"/>
       </p:ext>
     </p:extLst>
   </p:cSld>
@@ -5137,10 +5453,10 @@
       </p:grpSpPr>
       <p:sp>
         <p:nvSpPr>
-          <p:cNvPr id="2" name="Título 1">
+          <p:cNvPr id="2" name="Subtítulo 1">
             <a:extLst>
               <a:ext uri="{FF2B5EF4-FFF2-40B4-BE49-F238E27FC236}">
-                <a16:creationId xmlns:a16="http://schemas.microsoft.com/office/drawing/2014/main" id="{F3CD406C-F333-041A-5590-701E0FA4A810}"/>
+                <a16:creationId xmlns:a16="http://schemas.microsoft.com/office/drawing/2014/main" id="{56F4B131-4987-07E8-7DDB-E8F2FA0E0AB2}"/>
               </a:ext>
             </a:extLst>
           </p:cNvPr>
@@ -5148,7 +5464,7 @@
             <a:spLocks noGrp="1"/>
           </p:cNvSpPr>
           <p:nvPr>
-            <p:ph type="title"/>
+            <p:ph type="subTitle" idx="1"/>
           </p:nvPr>
         </p:nvSpPr>
         <p:spPr/>
@@ -5163,39 +5479,40 @@
           </a:p>
         </p:txBody>
       </p:sp>
-      <p:pic>
-        <p:nvPicPr>
-          <p:cNvPr id="6" name="Marcador de contenido 5">
+      <p:sp>
+        <p:nvSpPr>
+          <p:cNvPr id="3" name="Título 2">
             <a:extLst>
               <a:ext uri="{FF2B5EF4-FFF2-40B4-BE49-F238E27FC236}">
-                <a16:creationId xmlns:a16="http://schemas.microsoft.com/office/drawing/2014/main" id="{D736CEA3-EFFB-4740-3135-EC3E7C320E54}"/>
+                <a16:creationId xmlns:a16="http://schemas.microsoft.com/office/drawing/2014/main" id="{B7AB0D90-032B-8ADA-0E8C-5564E6F54843}"/>
               </a:ext>
             </a:extLst>
           </p:cNvPr>
-          <p:cNvPicPr>
-            <a:picLocks noGrp="1" noChangeAspect="1"/>
-          </p:cNvPicPr>
-          <p:nvPr>
-            <p:ph idx="1"/>
-          </p:nvPr>
-        </p:nvPicPr>
-        <p:blipFill>
-          <a:blip r:embed="rId2"/>
-          <a:stretch>
-            <a:fillRect/>
-          </a:stretch>
-        </p:blipFill>
-        <p:spPr>
-          <a:xfrm>
-            <a:off x="1811295" y="1717470"/>
-            <a:ext cx="8712282" cy="4351338"/>
-          </a:xfrm>
-        </p:spPr>
-      </p:pic>
+          <p:cNvSpPr>
+            <a:spLocks noGrp="1"/>
+          </p:cNvSpPr>
+          <p:nvPr>
+            <p:ph type="title"/>
+          </p:nvPr>
+        </p:nvSpPr>
+        <p:spPr/>
+        <p:txBody>
+          <a:bodyPr>
+            <a:normAutofit/>
+          </a:bodyPr>
+          <a:lstStyle/>
+          <a:p>
+            <a:r>
+              <a:rPr lang="es-ES" dirty="0"/>
+              <a:t>4</a:t>
+            </a:r>
+          </a:p>
+        </p:txBody>
+      </p:sp>
     </p:spTree>
     <p:extLst>
       <p:ext uri="{BB962C8B-B14F-4D97-AF65-F5344CB8AC3E}">
-        <p14:creationId xmlns:p14="http://schemas.microsoft.com/office/powerpoint/2010/main" val="4190423986"/>
+        <p14:creationId xmlns:p14="http://schemas.microsoft.com/office/powerpoint/2010/main" val="1253088151"/>
       </p:ext>
     </p:extLst>
   </p:cSld>

--- a/DRA-EorzeArm.pptx
+++ b/DRA-EorzeArm.pptx
@@ -5,7 +5,7 @@
     <p:sldMasterId id="2147483698" r:id="rId1"/>
   </p:sldMasterIdLst>
   <p:notesMasterIdLst>
-    <p:notesMasterId r:id="rId14"/>
+    <p:notesMasterId r:id="rId16"/>
   </p:notesMasterIdLst>
   <p:sldIdLst>
     <p:sldId id="256" r:id="rId2"/>
@@ -14,19 +14,21 @@
     <p:sldId id="260" r:id="rId5"/>
     <p:sldId id="257" r:id="rId6"/>
     <p:sldId id="262" r:id="rId7"/>
-    <p:sldId id="263" r:id="rId8"/>
-    <p:sldId id="270" r:id="rId9"/>
-    <p:sldId id="265" r:id="rId10"/>
-    <p:sldId id="266" r:id="rId11"/>
-    <p:sldId id="267" r:id="rId12"/>
-    <p:sldId id="268" r:id="rId13"/>
+    <p:sldId id="272" r:id="rId8"/>
+    <p:sldId id="271" r:id="rId9"/>
+    <p:sldId id="263" r:id="rId10"/>
+    <p:sldId id="270" r:id="rId11"/>
+    <p:sldId id="265" r:id="rId12"/>
+    <p:sldId id="266" r:id="rId13"/>
+    <p:sldId id="267" r:id="rId14"/>
+    <p:sldId id="268" r:id="rId15"/>
   </p:sldIdLst>
   <p:sldSz cx="12192000" cy="6858000"/>
   <p:notesSz cx="6858000" cy="9144000"/>
   <p:embeddedFontLst>
     <p:embeddedFont>
       <p:font typeface="Catamaran" panose="020B0604020202020204" charset="0"/>
-      <p:regular r:id="rId15"/>
+      <p:regular r:id="rId17"/>
     </p:embeddedFont>
   </p:embeddedFontLst>
   <p:defaultTextStyle>
@@ -217,7 +219,7 @@
           <a:p>
             <a:fld id="{02AFFBCC-881B-424C-AC69-CCBA69FE1AFC}" type="datetimeFigureOut">
               <a:rPr lang="es-ES" smtClean="0"/>
-              <a:t>09/06/2024</a:t>
+              <a:t>10/06/2024</a:t>
             </a:fld>
             <a:endParaRPr lang="es-ES"/>
           </a:p>
@@ -518,7 +520,7 @@
           <a:p>
             <a:fld id="{672B9FBB-67EB-4F1A-BE27-8517A5762D10}" type="datetimeFigureOut">
               <a:rPr lang="es-ES" smtClean="0"/>
-              <a:t>09/06/2024</a:t>
+              <a:t>10/06/2024</a:t>
             </a:fld>
             <a:endParaRPr lang="es-ES"/>
           </a:p>
@@ -1058,7 +1060,7 @@
           <a:p>
             <a:fld id="{672B9FBB-67EB-4F1A-BE27-8517A5762D10}" type="datetimeFigureOut">
               <a:rPr lang="es-ES" smtClean="0"/>
-              <a:t>09/06/2024</a:t>
+              <a:t>10/06/2024</a:t>
             </a:fld>
             <a:endParaRPr lang="es-ES"/>
           </a:p>
@@ -1306,7 +1308,7 @@
           <a:p>
             <a:fld id="{672B9FBB-67EB-4F1A-BE27-8517A5762D10}" type="datetimeFigureOut">
               <a:rPr lang="es-ES" smtClean="0"/>
-              <a:t>09/06/2024</a:t>
+              <a:t>10/06/2024</a:t>
             </a:fld>
             <a:endParaRPr lang="es-ES"/>
           </a:p>
@@ -1581,7 +1583,7 @@
           <a:p>
             <a:fld id="{672B9FBB-67EB-4F1A-BE27-8517A5762D10}" type="datetimeFigureOut">
               <a:rPr lang="es-ES" smtClean="0"/>
-              <a:t>09/06/2024</a:t>
+              <a:t>10/06/2024</a:t>
             </a:fld>
             <a:endParaRPr lang="es-ES"/>
           </a:p>
@@ -1825,7 +1827,7 @@
           <a:p>
             <a:fld id="{672B9FBB-67EB-4F1A-BE27-8517A5762D10}" type="datetimeFigureOut">
               <a:rPr lang="es-ES" smtClean="0"/>
-              <a:t>09/06/2024</a:t>
+              <a:t>10/06/2024</a:t>
             </a:fld>
             <a:endParaRPr lang="es-ES"/>
           </a:p>
@@ -2071,7 +2073,7 @@
           <a:p>
             <a:fld id="{672B9FBB-67EB-4F1A-BE27-8517A5762D10}" type="datetimeFigureOut">
               <a:rPr lang="es-ES" smtClean="0"/>
-              <a:t>09/06/2024</a:t>
+              <a:t>10/06/2024</a:t>
             </a:fld>
             <a:endParaRPr lang="es-ES"/>
           </a:p>
@@ -2355,7 +2357,7 @@
           <a:p>
             <a:fld id="{672B9FBB-67EB-4F1A-BE27-8517A5762D10}" type="datetimeFigureOut">
               <a:rPr lang="es-ES" smtClean="0"/>
-              <a:t>09/06/2024</a:t>
+              <a:t>10/06/2024</a:t>
             </a:fld>
             <a:endParaRPr lang="es-ES"/>
           </a:p>
@@ -2774,7 +2776,7 @@
           <a:p>
             <a:fld id="{672B9FBB-67EB-4F1A-BE27-8517A5762D10}" type="datetimeFigureOut">
               <a:rPr lang="es-ES" smtClean="0"/>
-              <a:t>09/06/2024</a:t>
+              <a:t>10/06/2024</a:t>
             </a:fld>
             <a:endParaRPr lang="es-ES"/>
           </a:p>
@@ -2921,7 +2923,7 @@
           <a:p>
             <a:fld id="{672B9FBB-67EB-4F1A-BE27-8517A5762D10}" type="datetimeFigureOut">
               <a:rPr lang="es-ES" smtClean="0"/>
-              <a:t>09/06/2024</a:t>
+              <a:t>10/06/2024</a:t>
             </a:fld>
             <a:endParaRPr lang="es-ES"/>
           </a:p>
@@ -3198,7 +3200,7 @@
           <a:p>
             <a:fld id="{672B9FBB-67EB-4F1A-BE27-8517A5762D10}" type="datetimeFigureOut">
               <a:rPr lang="es-ES" smtClean="0"/>
-              <a:t>09/06/2024</a:t>
+              <a:t>10/06/2024</a:t>
             </a:fld>
             <a:endParaRPr lang="es-ES"/>
           </a:p>
@@ -3464,7 +3466,7 @@
           <a:p>
             <a:fld id="{672B9FBB-67EB-4F1A-BE27-8517A5762D10}" type="datetimeFigureOut">
               <a:rPr lang="es-ES" smtClean="0"/>
-              <a:t>09/06/2024</a:t>
+              <a:t>10/06/2024</a:t>
             </a:fld>
             <a:endParaRPr lang="es-ES"/>
           </a:p>
@@ -4070,6 +4072,187 @@
           <a:lstStyle/>
           <a:p>
             <a:r>
+              <a:rPr lang="es-ES"/>
+              <a:t>Cronología.</a:t>
+            </a:r>
+            <a:endParaRPr lang="es-ES" dirty="0"/>
+          </a:p>
+        </p:txBody>
+      </p:sp>
+      <p:pic>
+        <p:nvPicPr>
+          <p:cNvPr id="12" name="Marcador de contenido 11" descr="Diagrama&#10;&#10;Descripción generada automáticamente">
+            <a:extLst>
+              <a:ext uri="{FF2B5EF4-FFF2-40B4-BE49-F238E27FC236}">
+                <a16:creationId xmlns:a16="http://schemas.microsoft.com/office/drawing/2014/main" id="{2D3CE155-D075-7BEF-8A54-2BFC9B9CECBC}"/>
+              </a:ext>
+            </a:extLst>
+          </p:cNvPr>
+          <p:cNvPicPr>
+            <a:picLocks noGrp="1" noChangeAspect="1"/>
+          </p:cNvPicPr>
+          <p:nvPr>
+            <p:ph idx="1"/>
+          </p:nvPr>
+        </p:nvPicPr>
+        <p:blipFill rotWithShape="1">
+          <a:blip r:embed="rId2">
+            <a:extLst>
+              <a:ext uri="{28A0092B-C50C-407E-A947-70E740481C1C}">
+                <a14:useLocalDpi xmlns:a14="http://schemas.microsoft.com/office/drawing/2010/main" val="0"/>
+              </a:ext>
+            </a:extLst>
+          </a:blip>
+          <a:srcRect l="1916" t="19801" r="2072" b="11367"/>
+          <a:stretch/>
+        </p:blipFill>
+        <p:spPr>
+          <a:xfrm>
+            <a:off x="2349759" y="1747027"/>
+            <a:ext cx="7492481" cy="4028623"/>
+          </a:xfrm>
+        </p:spPr>
+      </p:pic>
+    </p:spTree>
+    <p:extLst>
+      <p:ext uri="{BB962C8B-B14F-4D97-AF65-F5344CB8AC3E}">
+        <p14:creationId xmlns:p14="http://schemas.microsoft.com/office/powerpoint/2010/main" val="2795935787"/>
+      </p:ext>
+    </p:extLst>
+  </p:cSld>
+  <p:clrMapOvr>
+    <a:masterClrMapping/>
+  </p:clrMapOvr>
+</p:sld>
+</file>
+
+<file path=ppt/slides/slide11.xml><?xml version="1.0" encoding="utf-8"?>
+<p:sld xmlns:a="http://schemas.openxmlformats.org/drawingml/2006/main" xmlns:r="http://schemas.openxmlformats.org/officeDocument/2006/relationships" xmlns:p="http://schemas.openxmlformats.org/presentationml/2006/main">
+  <p:cSld>
+    <p:spTree>
+      <p:nvGrpSpPr>
+        <p:cNvPr id="1" name=""/>
+        <p:cNvGrpSpPr/>
+        <p:nvPr/>
+      </p:nvGrpSpPr>
+      <p:grpSpPr>
+        <a:xfrm>
+          <a:off x="0" y="0"/>
+          <a:ext cx="0" cy="0"/>
+          <a:chOff x="0" y="0"/>
+          <a:chExt cx="0" cy="0"/>
+        </a:xfrm>
+      </p:grpSpPr>
+      <p:sp>
+        <p:nvSpPr>
+          <p:cNvPr id="2" name="Subtítulo 1">
+            <a:extLst>
+              <a:ext uri="{FF2B5EF4-FFF2-40B4-BE49-F238E27FC236}">
+                <a16:creationId xmlns:a16="http://schemas.microsoft.com/office/drawing/2014/main" id="{56F4B131-4987-07E8-7DDB-E8F2FA0E0AB2}"/>
+              </a:ext>
+            </a:extLst>
+          </p:cNvPr>
+          <p:cNvSpPr>
+            <a:spLocks noGrp="1"/>
+          </p:cNvSpPr>
+          <p:nvPr>
+            <p:ph type="subTitle" idx="1"/>
+          </p:nvPr>
+        </p:nvSpPr>
+        <p:spPr/>
+        <p:txBody>
+          <a:bodyPr/>
+          <a:lstStyle/>
+          <a:p>
+            <a:r>
+              <a:rPr lang="es-ES" dirty="0"/>
+              <a:t>Demo.</a:t>
+            </a:r>
+          </a:p>
+        </p:txBody>
+      </p:sp>
+      <p:sp>
+        <p:nvSpPr>
+          <p:cNvPr id="3" name="Título 2">
+            <a:extLst>
+              <a:ext uri="{FF2B5EF4-FFF2-40B4-BE49-F238E27FC236}">
+                <a16:creationId xmlns:a16="http://schemas.microsoft.com/office/drawing/2014/main" id="{B7AB0D90-032B-8ADA-0E8C-5564E6F54843}"/>
+              </a:ext>
+            </a:extLst>
+          </p:cNvPr>
+          <p:cNvSpPr>
+            <a:spLocks noGrp="1"/>
+          </p:cNvSpPr>
+          <p:nvPr>
+            <p:ph type="title"/>
+          </p:nvPr>
+        </p:nvSpPr>
+        <p:spPr/>
+        <p:txBody>
+          <a:bodyPr>
+            <a:normAutofit/>
+          </a:bodyPr>
+          <a:lstStyle/>
+          <a:p>
+            <a:r>
+              <a:rPr lang="es-ES" dirty="0"/>
+              <a:t>5</a:t>
+            </a:r>
+          </a:p>
+        </p:txBody>
+      </p:sp>
+    </p:spTree>
+    <p:extLst>
+      <p:ext uri="{BB962C8B-B14F-4D97-AF65-F5344CB8AC3E}">
+        <p14:creationId xmlns:p14="http://schemas.microsoft.com/office/powerpoint/2010/main" val="1253088151"/>
+      </p:ext>
+    </p:extLst>
+  </p:cSld>
+  <p:clrMapOvr>
+    <a:masterClrMapping/>
+  </p:clrMapOvr>
+</p:sld>
+</file>
+
+<file path=ppt/slides/slide12.xml><?xml version="1.0" encoding="utf-8"?>
+<p:sld xmlns:a="http://schemas.openxmlformats.org/drawingml/2006/main" xmlns:r="http://schemas.openxmlformats.org/officeDocument/2006/relationships" xmlns:p="http://schemas.openxmlformats.org/presentationml/2006/main">
+  <p:cSld>
+    <p:spTree>
+      <p:nvGrpSpPr>
+        <p:cNvPr id="1" name=""/>
+        <p:cNvGrpSpPr/>
+        <p:nvPr/>
+      </p:nvGrpSpPr>
+      <p:grpSpPr>
+        <a:xfrm>
+          <a:off x="0" y="0"/>
+          <a:ext cx="0" cy="0"/>
+          <a:chOff x="0" y="0"/>
+          <a:chExt cx="0" cy="0"/>
+        </a:xfrm>
+      </p:grpSpPr>
+      <p:sp>
+        <p:nvSpPr>
+          <p:cNvPr id="2" name="Título 1">
+            <a:extLst>
+              <a:ext uri="{FF2B5EF4-FFF2-40B4-BE49-F238E27FC236}">
+                <a16:creationId xmlns:a16="http://schemas.microsoft.com/office/drawing/2014/main" id="{F3CD406C-F333-041A-5590-701E0FA4A810}"/>
+              </a:ext>
+            </a:extLst>
+          </p:cNvPr>
+          <p:cNvSpPr>
+            <a:spLocks noGrp="1"/>
+          </p:cNvSpPr>
+          <p:nvPr>
+            <p:ph type="title"/>
+          </p:nvPr>
+        </p:nvSpPr>
+        <p:spPr/>
+        <p:txBody>
+          <a:bodyPr/>
+          <a:lstStyle/>
+          <a:p>
+            <a:r>
               <a:rPr lang="es-ES" dirty="0"/>
               <a:t>Demo.</a:t>
             </a:r>
@@ -4118,7 +4301,7 @@
 </p:sld>
 </file>
 
-<file path=ppt/slides/slide11.xml><?xml version="1.0" encoding="utf-8"?>
+<file path=ppt/slides/slide13.xml><?xml version="1.0" encoding="utf-8"?>
 <p:sld xmlns:a="http://schemas.openxmlformats.org/drawingml/2006/main" xmlns:r="http://schemas.openxmlformats.org/officeDocument/2006/relationships" xmlns:p="http://schemas.openxmlformats.org/presentationml/2006/main">
   <p:cSld>
     <p:spTree>
@@ -4188,7 +4371,7 @@
           <a:p>
             <a:r>
               <a:rPr lang="es-ES" dirty="0"/>
-              <a:t>5</a:t>
+              <a:t>6</a:t>
             </a:r>
           </a:p>
         </p:txBody>
@@ -4206,7 +4389,7 @@
 </p:sld>
 </file>
 
-<file path=ppt/slides/slide12.xml><?xml version="1.0" encoding="utf-8"?>
+<file path=ppt/slides/slide14.xml><?xml version="1.0" encoding="utf-8"?>
 <p:sld xmlns:a="http://schemas.openxmlformats.org/drawingml/2006/main" xmlns:r="http://schemas.openxmlformats.org/officeDocument/2006/relationships" xmlns:p="http://schemas.openxmlformats.org/presentationml/2006/main">
   <p:cSld>
     <p:spTree>
@@ -4541,17 +4724,6 @@
         <p:txBody>
           <a:bodyPr/>
           <a:lstStyle/>
-          <a:p>
-            <a:r>
-              <a:rPr lang="es-ES" dirty="0"/>
-              <a:t>Desarrollador Full-</a:t>
-            </a:r>
-            <a:r>
-              <a:rPr lang="es-ES" dirty="0" err="1"/>
-              <a:t>Stack</a:t>
-            </a:r>
-            <a:endParaRPr lang="es-ES" dirty="0"/>
-          </a:p>
           <a:p>
             <a:r>
               <a:rPr lang="es-ES" dirty="0"/>
@@ -4952,7 +5124,7 @@
           <a:p>
             <a:r>
               <a:rPr lang="es-ES" dirty="0"/>
-              <a:t>Cronología.</a:t>
+              <a:t>Modelo de datos.</a:t>
             </a:r>
           </a:p>
         </p:txBody>
@@ -4999,6 +5171,186 @@
 </file>
 
 <file path=ppt/slides/slide7.xml><?xml version="1.0" encoding="utf-8"?>
+<p:sld xmlns:a="http://schemas.openxmlformats.org/drawingml/2006/main" xmlns:r="http://schemas.openxmlformats.org/officeDocument/2006/relationships" xmlns:p="http://schemas.openxmlformats.org/presentationml/2006/main">
+  <p:cSld>
+    <p:spTree>
+      <p:nvGrpSpPr>
+        <p:cNvPr id="1" name=""/>
+        <p:cNvGrpSpPr/>
+        <p:nvPr/>
+      </p:nvGrpSpPr>
+      <p:grpSpPr>
+        <a:xfrm>
+          <a:off x="0" y="0"/>
+          <a:ext cx="0" cy="0"/>
+          <a:chOff x="0" y="0"/>
+          <a:chExt cx="0" cy="0"/>
+        </a:xfrm>
+      </p:grpSpPr>
+      <p:sp>
+        <p:nvSpPr>
+          <p:cNvPr id="2" name="Título 1">
+            <a:extLst>
+              <a:ext uri="{FF2B5EF4-FFF2-40B4-BE49-F238E27FC236}">
+                <a16:creationId xmlns:a16="http://schemas.microsoft.com/office/drawing/2014/main" id="{164BCB8C-6589-4367-8F6A-03F51AC3A06A}"/>
+              </a:ext>
+            </a:extLst>
+          </p:cNvPr>
+          <p:cNvSpPr>
+            <a:spLocks noGrp="1"/>
+          </p:cNvSpPr>
+          <p:nvPr>
+            <p:ph type="title"/>
+          </p:nvPr>
+        </p:nvSpPr>
+        <p:spPr/>
+        <p:txBody>
+          <a:bodyPr/>
+          <a:lstStyle/>
+          <a:p>
+            <a:r>
+              <a:rPr lang="es-ES" dirty="0"/>
+              <a:t>Modelo de datos.</a:t>
+            </a:r>
+          </a:p>
+        </p:txBody>
+      </p:sp>
+      <p:pic>
+        <p:nvPicPr>
+          <p:cNvPr id="5" name="Imagen 4" descr="Interfaz de usuario gráfica&#10;&#10;Descripción generada automáticamente">
+            <a:extLst>
+              <a:ext uri="{FF2B5EF4-FFF2-40B4-BE49-F238E27FC236}">
+                <a16:creationId xmlns:a16="http://schemas.microsoft.com/office/drawing/2014/main" id="{3B791B86-AAF5-7F3F-DA81-6BFE90246498}"/>
+              </a:ext>
+            </a:extLst>
+          </p:cNvPr>
+          <p:cNvPicPr>
+            <a:picLocks noChangeAspect="1"/>
+          </p:cNvPicPr>
+          <p:nvPr/>
+        </p:nvPicPr>
+        <p:blipFill>
+          <a:blip r:embed="rId2">
+            <a:extLst>
+              <a:ext uri="{28A0092B-C50C-407E-A947-70E740481C1C}">
+                <a14:useLocalDpi xmlns:a14="http://schemas.microsoft.com/office/drawing/2010/main" val="0"/>
+              </a:ext>
+            </a:extLst>
+          </a:blip>
+          <a:stretch>
+            <a:fillRect/>
+          </a:stretch>
+        </p:blipFill>
+        <p:spPr>
+          <a:xfrm>
+            <a:off x="3870387" y="1750522"/>
+            <a:ext cx="4594097" cy="4335646"/>
+          </a:xfrm>
+          <a:prstGeom prst="rect">
+            <a:avLst/>
+          </a:prstGeom>
+        </p:spPr>
+      </p:pic>
+    </p:spTree>
+    <p:extLst>
+      <p:ext uri="{BB962C8B-B14F-4D97-AF65-F5344CB8AC3E}">
+        <p14:creationId xmlns:p14="http://schemas.microsoft.com/office/powerpoint/2010/main" val="2126643382"/>
+      </p:ext>
+    </p:extLst>
+  </p:cSld>
+  <p:clrMapOvr>
+    <a:masterClrMapping/>
+  </p:clrMapOvr>
+</p:sld>
+</file>
+
+<file path=ppt/slides/slide8.xml><?xml version="1.0" encoding="utf-8"?>
+<p:sld xmlns:a="http://schemas.openxmlformats.org/drawingml/2006/main" xmlns:r="http://schemas.openxmlformats.org/officeDocument/2006/relationships" xmlns:p="http://schemas.openxmlformats.org/presentationml/2006/main">
+  <p:cSld>
+    <p:spTree>
+      <p:nvGrpSpPr>
+        <p:cNvPr id="1" name=""/>
+        <p:cNvGrpSpPr/>
+        <p:nvPr/>
+      </p:nvGrpSpPr>
+      <p:grpSpPr>
+        <a:xfrm>
+          <a:off x="0" y="0"/>
+          <a:ext cx="0" cy="0"/>
+          <a:chOff x="0" y="0"/>
+          <a:chExt cx="0" cy="0"/>
+        </a:xfrm>
+      </p:grpSpPr>
+      <p:sp>
+        <p:nvSpPr>
+          <p:cNvPr id="2" name="Subtítulo 1">
+            <a:extLst>
+              <a:ext uri="{FF2B5EF4-FFF2-40B4-BE49-F238E27FC236}">
+                <a16:creationId xmlns:a16="http://schemas.microsoft.com/office/drawing/2014/main" id="{7EE7975C-7886-6CC5-65BF-BEB8A9728471}"/>
+              </a:ext>
+            </a:extLst>
+          </p:cNvPr>
+          <p:cNvSpPr>
+            <a:spLocks noGrp="1"/>
+          </p:cNvSpPr>
+          <p:nvPr>
+            <p:ph type="subTitle" idx="1"/>
+          </p:nvPr>
+        </p:nvSpPr>
+        <p:spPr/>
+        <p:txBody>
+          <a:bodyPr/>
+          <a:lstStyle/>
+          <a:p>
+            <a:r>
+              <a:rPr lang="es-ES" dirty="0"/>
+              <a:t>Cronología.</a:t>
+            </a:r>
+          </a:p>
+        </p:txBody>
+      </p:sp>
+      <p:sp>
+        <p:nvSpPr>
+          <p:cNvPr id="3" name="Título 2">
+            <a:extLst>
+              <a:ext uri="{FF2B5EF4-FFF2-40B4-BE49-F238E27FC236}">
+                <a16:creationId xmlns:a16="http://schemas.microsoft.com/office/drawing/2014/main" id="{BD88C3E6-C216-9D04-E245-D9B5050CA1A1}"/>
+              </a:ext>
+            </a:extLst>
+          </p:cNvPr>
+          <p:cNvSpPr>
+            <a:spLocks noGrp="1"/>
+          </p:cNvSpPr>
+          <p:nvPr>
+            <p:ph type="title"/>
+          </p:nvPr>
+        </p:nvSpPr>
+        <p:spPr/>
+        <p:txBody>
+          <a:bodyPr/>
+          <a:lstStyle/>
+          <a:p>
+            <a:r>
+              <a:rPr lang="es-ES" dirty="0"/>
+              <a:t>4</a:t>
+            </a:r>
+          </a:p>
+        </p:txBody>
+      </p:sp>
+    </p:spTree>
+    <p:extLst>
+      <p:ext uri="{BB962C8B-B14F-4D97-AF65-F5344CB8AC3E}">
+        <p14:creationId xmlns:p14="http://schemas.microsoft.com/office/powerpoint/2010/main" val="159873202"/>
+      </p:ext>
+    </p:extLst>
+  </p:cSld>
+  <p:clrMapOvr>
+    <a:masterClrMapping/>
+  </p:clrMapOvr>
+</p:sld>
+</file>
+
+<file path=ppt/slides/slide9.xml><?xml version="1.0" encoding="utf-8"?>
 <p:sld xmlns:a="http://schemas.openxmlformats.org/drawingml/2006/main" xmlns:r="http://schemas.openxmlformats.org/officeDocument/2006/relationships" xmlns:p="http://schemas.openxmlformats.org/presentationml/2006/main">
   <p:cSld>
     <p:spTree>
@@ -5332,187 +5684,6 @@
     <p:extLst>
       <p:ext uri="{BB962C8B-B14F-4D97-AF65-F5344CB8AC3E}">
         <p14:creationId xmlns:p14="http://schemas.microsoft.com/office/powerpoint/2010/main" val="1264691939"/>
-      </p:ext>
-    </p:extLst>
-  </p:cSld>
-  <p:clrMapOvr>
-    <a:masterClrMapping/>
-  </p:clrMapOvr>
-</p:sld>
-</file>
-
-<file path=ppt/slides/slide8.xml><?xml version="1.0" encoding="utf-8"?>
-<p:sld xmlns:a="http://schemas.openxmlformats.org/drawingml/2006/main" xmlns:r="http://schemas.openxmlformats.org/officeDocument/2006/relationships" xmlns:p="http://schemas.openxmlformats.org/presentationml/2006/main">
-  <p:cSld>
-    <p:spTree>
-      <p:nvGrpSpPr>
-        <p:cNvPr id="1" name=""/>
-        <p:cNvGrpSpPr/>
-        <p:nvPr/>
-      </p:nvGrpSpPr>
-      <p:grpSpPr>
-        <a:xfrm>
-          <a:off x="0" y="0"/>
-          <a:ext cx="0" cy="0"/>
-          <a:chOff x="0" y="0"/>
-          <a:chExt cx="0" cy="0"/>
-        </a:xfrm>
-      </p:grpSpPr>
-      <p:sp>
-        <p:nvSpPr>
-          <p:cNvPr id="2" name="Título 1">
-            <a:extLst>
-              <a:ext uri="{FF2B5EF4-FFF2-40B4-BE49-F238E27FC236}">
-                <a16:creationId xmlns:a16="http://schemas.microsoft.com/office/drawing/2014/main" id="{F3CD406C-F333-041A-5590-701E0FA4A810}"/>
-              </a:ext>
-            </a:extLst>
-          </p:cNvPr>
-          <p:cNvSpPr>
-            <a:spLocks noGrp="1"/>
-          </p:cNvSpPr>
-          <p:nvPr>
-            <p:ph type="title"/>
-          </p:nvPr>
-        </p:nvSpPr>
-        <p:spPr/>
-        <p:txBody>
-          <a:bodyPr/>
-          <a:lstStyle/>
-          <a:p>
-            <a:r>
-              <a:rPr lang="es-ES"/>
-              <a:t>Cronología.</a:t>
-            </a:r>
-            <a:endParaRPr lang="es-ES" dirty="0"/>
-          </a:p>
-        </p:txBody>
-      </p:sp>
-      <p:pic>
-        <p:nvPicPr>
-          <p:cNvPr id="12" name="Marcador de contenido 11" descr="Diagrama&#10;&#10;Descripción generada automáticamente">
-            <a:extLst>
-              <a:ext uri="{FF2B5EF4-FFF2-40B4-BE49-F238E27FC236}">
-                <a16:creationId xmlns:a16="http://schemas.microsoft.com/office/drawing/2014/main" id="{2D3CE155-D075-7BEF-8A54-2BFC9B9CECBC}"/>
-              </a:ext>
-            </a:extLst>
-          </p:cNvPr>
-          <p:cNvPicPr>
-            <a:picLocks noGrp="1" noChangeAspect="1"/>
-          </p:cNvPicPr>
-          <p:nvPr>
-            <p:ph idx="1"/>
-          </p:nvPr>
-        </p:nvPicPr>
-        <p:blipFill rotWithShape="1">
-          <a:blip r:embed="rId2">
-            <a:extLst>
-              <a:ext uri="{28A0092B-C50C-407E-A947-70E740481C1C}">
-                <a14:useLocalDpi xmlns:a14="http://schemas.microsoft.com/office/drawing/2010/main" val="0"/>
-              </a:ext>
-            </a:extLst>
-          </a:blip>
-          <a:srcRect l="1916" t="19801" r="2072" b="11367"/>
-          <a:stretch/>
-        </p:blipFill>
-        <p:spPr>
-          <a:xfrm>
-            <a:off x="2349759" y="1747027"/>
-            <a:ext cx="7492481" cy="4028623"/>
-          </a:xfrm>
-        </p:spPr>
-      </p:pic>
-    </p:spTree>
-    <p:extLst>
-      <p:ext uri="{BB962C8B-B14F-4D97-AF65-F5344CB8AC3E}">
-        <p14:creationId xmlns:p14="http://schemas.microsoft.com/office/powerpoint/2010/main" val="2795935787"/>
-      </p:ext>
-    </p:extLst>
-  </p:cSld>
-  <p:clrMapOvr>
-    <a:masterClrMapping/>
-  </p:clrMapOvr>
-</p:sld>
-</file>
-
-<file path=ppt/slides/slide9.xml><?xml version="1.0" encoding="utf-8"?>
-<p:sld xmlns:a="http://schemas.openxmlformats.org/drawingml/2006/main" xmlns:r="http://schemas.openxmlformats.org/officeDocument/2006/relationships" xmlns:p="http://schemas.openxmlformats.org/presentationml/2006/main">
-  <p:cSld>
-    <p:spTree>
-      <p:nvGrpSpPr>
-        <p:cNvPr id="1" name=""/>
-        <p:cNvGrpSpPr/>
-        <p:nvPr/>
-      </p:nvGrpSpPr>
-      <p:grpSpPr>
-        <a:xfrm>
-          <a:off x="0" y="0"/>
-          <a:ext cx="0" cy="0"/>
-          <a:chOff x="0" y="0"/>
-          <a:chExt cx="0" cy="0"/>
-        </a:xfrm>
-      </p:grpSpPr>
-      <p:sp>
-        <p:nvSpPr>
-          <p:cNvPr id="2" name="Subtítulo 1">
-            <a:extLst>
-              <a:ext uri="{FF2B5EF4-FFF2-40B4-BE49-F238E27FC236}">
-                <a16:creationId xmlns:a16="http://schemas.microsoft.com/office/drawing/2014/main" id="{56F4B131-4987-07E8-7DDB-E8F2FA0E0AB2}"/>
-              </a:ext>
-            </a:extLst>
-          </p:cNvPr>
-          <p:cNvSpPr>
-            <a:spLocks noGrp="1"/>
-          </p:cNvSpPr>
-          <p:nvPr>
-            <p:ph type="subTitle" idx="1"/>
-          </p:nvPr>
-        </p:nvSpPr>
-        <p:spPr/>
-        <p:txBody>
-          <a:bodyPr/>
-          <a:lstStyle/>
-          <a:p>
-            <a:r>
-              <a:rPr lang="es-ES" dirty="0"/>
-              <a:t>Demo.</a:t>
-            </a:r>
-          </a:p>
-        </p:txBody>
-      </p:sp>
-      <p:sp>
-        <p:nvSpPr>
-          <p:cNvPr id="3" name="Título 2">
-            <a:extLst>
-              <a:ext uri="{FF2B5EF4-FFF2-40B4-BE49-F238E27FC236}">
-                <a16:creationId xmlns:a16="http://schemas.microsoft.com/office/drawing/2014/main" id="{B7AB0D90-032B-8ADA-0E8C-5564E6F54843}"/>
-              </a:ext>
-            </a:extLst>
-          </p:cNvPr>
-          <p:cNvSpPr>
-            <a:spLocks noGrp="1"/>
-          </p:cNvSpPr>
-          <p:nvPr>
-            <p:ph type="title"/>
-          </p:nvPr>
-        </p:nvSpPr>
-        <p:spPr/>
-        <p:txBody>
-          <a:bodyPr>
-            <a:normAutofit/>
-          </a:bodyPr>
-          <a:lstStyle/>
-          <a:p>
-            <a:r>
-              <a:rPr lang="es-ES" dirty="0"/>
-              <a:t>4</a:t>
-            </a:r>
-          </a:p>
-        </p:txBody>
-      </p:sp>
-    </p:spTree>
-    <p:extLst>
-      <p:ext uri="{BB962C8B-B14F-4D97-AF65-F5344CB8AC3E}">
-        <p14:creationId xmlns:p14="http://schemas.microsoft.com/office/powerpoint/2010/main" val="1253088151"/>
       </p:ext>
     </p:extLst>
   </p:cSld>
